--- a/images/theory_analysis/RabbitMQ_Ack/RabbitMQ_ACK.pptx
+++ b/images/theory_analysis/RabbitMQ_Ack/RabbitMQ_ACK.pptx
@@ -3525,7 +3525,7 @@
         </p:nvSpPr>
         <p:spPr>
           <a:xfrm>
-            <a:off x="3162581" y="1327860"/>
+            <a:off x="3259073" y="1111836"/>
             <a:ext cx="2670147" cy="1201263"/>
           </a:xfrm>
           <a:prstGeom prst="roundRect">
@@ -3569,7 +3569,7 @@
         </p:nvSpPr>
         <p:spPr>
           <a:xfrm>
-            <a:off x="3254588" y="1869949"/>
+            <a:off x="3351080" y="1653925"/>
             <a:ext cx="1060082" cy="355241"/>
           </a:xfrm>
           <a:prstGeom prst="roundRect">
@@ -3611,7 +3611,7 @@
         </p:nvSpPr>
         <p:spPr>
           <a:xfrm>
-            <a:off x="4464424" y="1687164"/>
+            <a:off x="4560916" y="1471140"/>
             <a:ext cx="1230415" cy="720813"/>
           </a:xfrm>
           <a:prstGeom prst="roundRect">
@@ -3659,7 +3659,7 @@
         </p:nvCxnSpPr>
         <p:spPr>
           <a:xfrm>
-            <a:off x="4314670" y="2047570"/>
+            <a:off x="4411162" y="1831546"/>
             <a:ext cx="149754" cy="1"/>
           </a:xfrm>
           <a:prstGeom prst="straightConnector1">
@@ -3698,7 +3698,7 @@
         </p:nvSpPr>
         <p:spPr>
           <a:xfrm>
-            <a:off x="4568821" y="1812119"/>
+            <a:off x="4665313" y="1596095"/>
             <a:ext cx="504056" cy="324722"/>
           </a:xfrm>
           <a:prstGeom prst="rect">
@@ -3746,7 +3746,7 @@
         </p:nvSpPr>
         <p:spPr>
           <a:xfrm>
-            <a:off x="5068161" y="1812119"/>
+            <a:off x="5164653" y="1596095"/>
             <a:ext cx="504056" cy="324722"/>
           </a:xfrm>
           <a:prstGeom prst="rect">
@@ -3794,7 +3794,7 @@
         </p:nvSpPr>
         <p:spPr>
           <a:xfrm>
-            <a:off x="4644008" y="3128057"/>
+            <a:off x="4740500" y="2912033"/>
             <a:ext cx="2670147" cy="1171919"/>
           </a:xfrm>
           <a:prstGeom prst="roundRect">
@@ -3844,7 +3844,7 @@
         </p:nvSpPr>
         <p:spPr>
           <a:xfrm>
-            <a:off x="4736016" y="3419656"/>
+            <a:off x="4832508" y="3203632"/>
             <a:ext cx="1060080" cy="355241"/>
           </a:xfrm>
           <a:prstGeom prst="roundRect">
@@ -3892,7 +3892,7 @@
         </p:nvSpPr>
         <p:spPr>
           <a:xfrm>
-            <a:off x="342616" y="2582693"/>
+            <a:off x="439108" y="2366669"/>
             <a:ext cx="1061032" cy="502462"/>
           </a:xfrm>
           <a:prstGeom prst="roundRect">
@@ -3945,7 +3945,7 @@
         </p:nvSpPr>
         <p:spPr>
           <a:xfrm>
-            <a:off x="1757837" y="3128058"/>
+            <a:off x="1854329" y="2912034"/>
             <a:ext cx="2670147" cy="1176740"/>
           </a:xfrm>
           <a:prstGeom prst="roundRect">
@@ -3995,7 +3995,7 @@
         </p:nvSpPr>
         <p:spPr>
           <a:xfrm>
-            <a:off x="1849845" y="3419656"/>
+            <a:off x="1946337" y="3203632"/>
             <a:ext cx="1060080" cy="355241"/>
           </a:xfrm>
           <a:prstGeom prst="roundRect">
@@ -4043,7 +4043,7 @@
         </p:nvSpPr>
         <p:spPr>
           <a:xfrm>
-            <a:off x="3053256" y="3236871"/>
+            <a:off x="3149748" y="3020847"/>
             <a:ext cx="1236839" cy="720813"/>
           </a:xfrm>
           <a:prstGeom prst="roundRect">
@@ -4095,7 +4095,7 @@
         </p:nvCxnSpPr>
         <p:spPr>
           <a:xfrm flipV="1">
-            <a:off x="1403648" y="1851670"/>
+            <a:off x="1500140" y="1635646"/>
             <a:ext cx="1758933" cy="905432"/>
           </a:xfrm>
           <a:prstGeom prst="straightConnector1">
@@ -4137,7 +4137,7 @@
         </p:nvSpPr>
         <p:spPr>
           <a:xfrm>
-            <a:off x="3157353" y="3361826"/>
+            <a:off x="3253845" y="3145802"/>
             <a:ext cx="504056" cy="324722"/>
           </a:xfrm>
           <a:prstGeom prst="rect">
@@ -4185,7 +4185,7 @@
         </p:nvSpPr>
         <p:spPr>
           <a:xfrm>
-            <a:off x="1619672" y="1203598"/>
+            <a:off x="1716164" y="987574"/>
             <a:ext cx="5832648" cy="3235341"/>
           </a:xfrm>
           <a:prstGeom prst="roundRect">
@@ -4235,7 +4235,7 @@
         </p:nvSpPr>
         <p:spPr>
           <a:xfrm>
-            <a:off x="1665682" y="1255828"/>
+            <a:off x="1762174" y="1039804"/>
             <a:ext cx="1250134" cy="400110"/>
           </a:xfrm>
           <a:prstGeom prst="rect">
@@ -4270,7 +4270,7 @@
         </p:nvSpPr>
         <p:spPr>
           <a:xfrm>
-            <a:off x="7668344" y="2582693"/>
+            <a:off x="7764836" y="2366669"/>
             <a:ext cx="1199652" cy="502462"/>
           </a:xfrm>
           <a:prstGeom prst="roundRect">
@@ -4323,7 +4323,7 @@
         </p:nvSpPr>
         <p:spPr>
           <a:xfrm>
-            <a:off x="3660070" y="3361826"/>
+            <a:off x="3756562" y="3145802"/>
             <a:ext cx="504056" cy="324722"/>
           </a:xfrm>
           <a:prstGeom prst="rect">
@@ -4373,7 +4373,7 @@
         </p:nvCxnSpPr>
         <p:spPr>
           <a:xfrm>
-            <a:off x="5832728" y="1851670"/>
+            <a:off x="5929220" y="1635646"/>
             <a:ext cx="1835616" cy="905432"/>
           </a:xfrm>
           <a:prstGeom prst="straightConnector1">
@@ -4415,7 +4415,7 @@
         </p:nvSpPr>
         <p:spPr>
           <a:xfrm>
-            <a:off x="5930863" y="3236871"/>
+            <a:off x="6027355" y="3020847"/>
             <a:ext cx="1245403" cy="720815"/>
           </a:xfrm>
           <a:prstGeom prst="roundRect">
@@ -4465,7 +4465,7 @@
         </p:nvSpPr>
         <p:spPr>
           <a:xfrm>
-            <a:off x="6043524" y="3344464"/>
+            <a:off x="6140016" y="3128440"/>
             <a:ext cx="504056" cy="324722"/>
           </a:xfrm>
           <a:prstGeom prst="rect">
@@ -4513,7 +4513,7 @@
         </p:nvSpPr>
         <p:spPr>
           <a:xfrm>
-            <a:off x="6542864" y="3344464"/>
+            <a:off x="6639356" y="3128440"/>
             <a:ext cx="504056" cy="324722"/>
           </a:xfrm>
           <a:prstGeom prst="rect">
@@ -4563,7 +4563,7 @@
         </p:nvCxnSpPr>
         <p:spPr>
           <a:xfrm flipV="1">
-            <a:off x="1403648" y="2026358"/>
+            <a:off x="1500140" y="1810334"/>
             <a:ext cx="1758933" cy="905432"/>
           </a:xfrm>
           <a:prstGeom prst="straightConnector1">
@@ -4610,7 +4610,7 @@
         </p:nvCxnSpPr>
         <p:spPr>
           <a:xfrm flipH="1">
-            <a:off x="3671676" y="2407977"/>
+            <a:off x="3768168" y="2191953"/>
             <a:ext cx="1407956" cy="828894"/>
           </a:xfrm>
           <a:prstGeom prst="straightConnector1">
@@ -4657,7 +4657,7 @@
         </p:nvCxnSpPr>
         <p:spPr>
           <a:xfrm>
-            <a:off x="5079632" y="2407977"/>
+            <a:off x="5176124" y="2191953"/>
             <a:ext cx="1473933" cy="828894"/>
           </a:xfrm>
           <a:prstGeom prst="straightConnector1">
@@ -4702,7 +4702,7 @@
         </p:nvCxnSpPr>
         <p:spPr>
           <a:xfrm>
-            <a:off x="5832728" y="2026358"/>
+            <a:off x="5929220" y="1810334"/>
             <a:ext cx="1835616" cy="905432"/>
           </a:xfrm>
           <a:prstGeom prst="straightConnector1">
@@ -4745,7 +4745,7 @@
         </p:nvSpPr>
         <p:spPr>
           <a:xfrm rot="19987046">
-            <a:off x="1509391" y="2087979"/>
+            <a:off x="1605883" y="1871955"/>
             <a:ext cx="1307508" cy="261610"/>
           </a:xfrm>
           <a:prstGeom prst="rect">
@@ -4790,7 +4790,7 @@
         </p:nvSpPr>
         <p:spPr>
           <a:xfrm rot="19963975">
-            <a:off x="1737373" y="2457212"/>
+            <a:off x="1808465" y="2253888"/>
             <a:ext cx="1307508" cy="261610"/>
           </a:xfrm>
           <a:prstGeom prst="rect">
@@ -4811,7 +4811,7 @@
                   <a:srgbClr val="C00000"/>
                 </a:solidFill>
               </a:rPr>
-              <a:t>4. Confirm</a:t>
+              <a:t>4. Ack</a:t>
             </a:r>
             <a:endParaRPr lang="ko-KR" altLang="en-US" sz="1100">
               <a:solidFill>
@@ -4835,7 +4835,7 @@
         </p:nvSpPr>
         <p:spPr>
           <a:xfrm>
-            <a:off x="4414407" y="2572911"/>
+            <a:off x="4510899" y="2356887"/>
             <a:ext cx="1307508" cy="430887"/>
           </a:xfrm>
           <a:prstGeom prst="rect">
@@ -4867,7 +4867,7 @@
                   <a:srgbClr val="C00000"/>
                 </a:solidFill>
               </a:rPr>
-              <a:t>Ok</a:t>
+              <a:t>Ack</a:t>
             </a:r>
             <a:endParaRPr lang="ko-KR" altLang="en-US" sz="1100">
               <a:solidFill>
@@ -4891,7 +4891,7 @@
         </p:nvSpPr>
         <p:spPr>
           <a:xfrm rot="1555124">
-            <a:off x="6147593" y="2052259"/>
+            <a:off x="6244085" y="1836235"/>
             <a:ext cx="1307508" cy="261610"/>
           </a:xfrm>
           <a:prstGeom prst="rect">
@@ -4936,7 +4936,7 @@
         </p:nvSpPr>
         <p:spPr>
           <a:xfrm rot="1566180">
-            <a:off x="5895816" y="2473841"/>
+            <a:off x="5935288" y="2232283"/>
             <a:ext cx="1579502" cy="261610"/>
           </a:xfrm>
           <a:prstGeom prst="rect">
@@ -4957,7 +4957,7 @@
                   <a:schemeClr val="tx2"/>
                 </a:solidFill>
               </a:rPr>
-              <a:t>2. Acknowledgement</a:t>
+              <a:t>2. Ack</a:t>
             </a:r>
           </a:p>
         </p:txBody>
@@ -4978,7 +4978,7 @@
         </p:nvCxnSpPr>
         <p:spPr>
           <a:xfrm flipH="1">
-            <a:off x="3419872" y="2407977"/>
+            <a:off x="3516364" y="2191953"/>
             <a:ext cx="1407956" cy="828894"/>
           </a:xfrm>
           <a:prstGeom prst="straightConnector1">
@@ -5022,7 +5022,7 @@
         </p:nvCxnSpPr>
         <p:spPr>
           <a:xfrm>
-            <a:off x="5330315" y="2407977"/>
+            <a:off x="5426807" y="2191953"/>
             <a:ext cx="1473933" cy="828894"/>
           </a:xfrm>
           <a:prstGeom prst="straightConnector1">
@@ -5064,7 +5064,7 @@
         </p:nvSpPr>
         <p:spPr>
           <a:xfrm rot="19772229">
-            <a:off x="3288422" y="2644828"/>
+            <a:off x="3384914" y="2428804"/>
             <a:ext cx="1307508" cy="261610"/>
           </a:xfrm>
           <a:prstGeom prst="rect">
@@ -5109,7 +5109,7 @@
         </p:nvSpPr>
         <p:spPr>
           <a:xfrm rot="1733916">
-            <a:off x="5563332" y="2609438"/>
+            <a:off x="5659824" y="2393414"/>
             <a:ext cx="1307508" cy="261610"/>
           </a:xfrm>
           <a:prstGeom prst="rect">
@@ -5137,6 +5137,168 @@
                 <a:srgbClr val="C00000"/>
               </a:solidFill>
             </a:endParaRPr>
+          </a:p>
+        </p:txBody>
+      </p:sp>
+      <p:cxnSp>
+        <p:nvCxnSpPr>
+          <p:cNvPr id="101" name="직선 화살표 연결선 100">
+            <a:extLst>
+              <a:ext uri="{FF2B5EF4-FFF2-40B4-BE49-F238E27FC236}">
+                <a16:creationId xmlns:a16="http://schemas.microsoft.com/office/drawing/2014/main" id="{32A58151-45F1-466C-B89A-8E84A77ED228}"/>
+              </a:ext>
+            </a:extLst>
+          </p:cNvPr>
+          <p:cNvCxnSpPr>
+            <a:cxnSpLocks/>
+          </p:cNvCxnSpPr>
+          <p:nvPr/>
+        </p:nvCxnSpPr>
+        <p:spPr>
+          <a:xfrm>
+            <a:off x="1854329" y="4366434"/>
+            <a:ext cx="434261" cy="0"/>
+          </a:xfrm>
+          <a:prstGeom prst="straightConnector1">
+            <a:avLst/>
+          </a:prstGeom>
+          <a:ln w="28575">
+            <a:solidFill>
+              <a:srgbClr val="C00000"/>
+            </a:solidFill>
+            <a:tailEnd type="arrow"/>
+          </a:ln>
+        </p:spPr>
+        <p:style>
+          <a:lnRef idx="1">
+            <a:schemeClr val="dk1"/>
+          </a:lnRef>
+          <a:fillRef idx="0">
+            <a:schemeClr val="dk1"/>
+          </a:fillRef>
+          <a:effectRef idx="0">
+            <a:schemeClr val="dk1"/>
+          </a:effectRef>
+          <a:fontRef idx="minor">
+            <a:schemeClr val="tx1"/>
+          </a:fontRef>
+        </p:style>
+      </p:cxnSp>
+      <p:sp>
+        <p:nvSpPr>
+          <p:cNvPr id="103" name="TextBox 102">
+            <a:extLst>
+              <a:ext uri="{FF2B5EF4-FFF2-40B4-BE49-F238E27FC236}">
+                <a16:creationId xmlns:a16="http://schemas.microsoft.com/office/drawing/2014/main" id="{30D497C3-E93E-402D-BCFA-A15052DCE3C7}"/>
+              </a:ext>
+            </a:extLst>
+          </p:cNvPr>
+          <p:cNvSpPr txBox="1"/>
+          <p:nvPr/>
+        </p:nvSpPr>
+        <p:spPr>
+          <a:xfrm>
+            <a:off x="2069599" y="4227934"/>
+            <a:ext cx="1854329" cy="276999"/>
+          </a:xfrm>
+          <a:prstGeom prst="rect">
+            <a:avLst/>
+          </a:prstGeom>
+          <a:noFill/>
+        </p:spPr>
+        <p:txBody>
+          <a:bodyPr wrap="square" rtlCol="0" anchor="ctr">
+            <a:spAutoFit/>
+          </a:bodyPr>
+          <a:lstStyle/>
+          <a:p>
+            <a:pPr algn="ctr"/>
+            <a:r>
+              <a:rPr lang="en-US" altLang="ko-KR" sz="1200"/>
+              <a:t>Producer Confirm</a:t>
+            </a:r>
+            <a:endParaRPr lang="ko-KR" altLang="en-US" sz="1200"/>
+          </a:p>
+        </p:txBody>
+      </p:sp>
+      <p:cxnSp>
+        <p:nvCxnSpPr>
+          <p:cNvPr id="105" name="직선 화살표 연결선 104">
+            <a:extLst>
+              <a:ext uri="{FF2B5EF4-FFF2-40B4-BE49-F238E27FC236}">
+                <a16:creationId xmlns:a16="http://schemas.microsoft.com/office/drawing/2014/main" id="{3049B187-6622-4071-9FB8-FA25FC7AD52D}"/>
+              </a:ext>
+            </a:extLst>
+          </p:cNvPr>
+          <p:cNvCxnSpPr>
+            <a:cxnSpLocks/>
+          </p:cNvCxnSpPr>
+          <p:nvPr/>
+        </p:nvCxnSpPr>
+        <p:spPr>
+          <a:xfrm>
+            <a:off x="3826357" y="4366434"/>
+            <a:ext cx="434261" cy="0"/>
+          </a:xfrm>
+          <a:prstGeom prst="straightConnector1">
+            <a:avLst/>
+          </a:prstGeom>
+          <a:ln w="28575">
+            <a:solidFill>
+              <a:schemeClr val="tx2"/>
+            </a:solidFill>
+            <a:tailEnd type="arrow"/>
+          </a:ln>
+        </p:spPr>
+        <p:style>
+          <a:lnRef idx="1">
+            <a:schemeClr val="dk1"/>
+          </a:lnRef>
+          <a:fillRef idx="0">
+            <a:schemeClr val="dk1"/>
+          </a:fillRef>
+          <a:effectRef idx="0">
+            <a:schemeClr val="dk1"/>
+          </a:effectRef>
+          <a:fontRef idx="minor">
+            <a:schemeClr val="tx1"/>
+          </a:fontRef>
+        </p:style>
+      </p:cxnSp>
+      <p:sp>
+        <p:nvSpPr>
+          <p:cNvPr id="106" name="TextBox 105">
+            <a:extLst>
+              <a:ext uri="{FF2B5EF4-FFF2-40B4-BE49-F238E27FC236}">
+                <a16:creationId xmlns:a16="http://schemas.microsoft.com/office/drawing/2014/main" id="{A851A07A-D8C7-4D5B-85AD-66602FE5EE08}"/>
+              </a:ext>
+            </a:extLst>
+          </p:cNvPr>
+          <p:cNvSpPr txBox="1"/>
+          <p:nvPr/>
+        </p:nvSpPr>
+        <p:spPr>
+          <a:xfrm>
+            <a:off x="4085823" y="4227934"/>
+            <a:ext cx="1494289" cy="276999"/>
+          </a:xfrm>
+          <a:prstGeom prst="rect">
+            <a:avLst/>
+          </a:prstGeom>
+          <a:noFill/>
+        </p:spPr>
+        <p:txBody>
+          <a:bodyPr wrap="square" rtlCol="0" anchor="ctr">
+            <a:spAutoFit/>
+          </a:bodyPr>
+          <a:lstStyle/>
+          <a:p>
+            <a:pPr algn="ctr"/>
+            <a:r>
+              <a:rPr lang="en-US" altLang="ko-KR" sz="1200"/>
+              <a:t>Consumer Ack</a:t>
+            </a:r>
+            <a:endParaRPr lang="ko-KR" altLang="en-US" sz="1200"/>
           </a:p>
         </p:txBody>
       </p:sp>

--- a/images/theory_analysis/RabbitMQ_Ack/RabbitMQ_ACK.pptx
+++ b/images/theory_analysis/RabbitMQ_Ack/RabbitMQ_ACK.pptx
@@ -213,7 +213,7 @@
           <a:p>
             <a:fld id="{6CD5550B-26C4-49A9-A5BA-636EF7BE6CE9}" type="datetimeFigureOut">
               <a:rPr lang="ko-KR" altLang="en-US" smtClean="0"/>
-              <a:t>2019-04-28</a:t>
+              <a:t>2019-04-29</a:t>
             </a:fld>
             <a:endParaRPr lang="ko-KR" altLang="en-US"/>
           </a:p>
@@ -759,7 +759,7 @@
           <a:p>
             <a:fld id="{FB30EDBD-1C2D-4C1E-B459-B60219FAB484}" type="datetimeFigureOut">
               <a:rPr lang="ko-KR" altLang="en-US" smtClean="0"/>
-              <a:t>2019-04-28</a:t>
+              <a:t>2019-04-29</a:t>
             </a:fld>
             <a:endParaRPr lang="ko-KR" altLang="en-US"/>
           </a:p>
@@ -922,7 +922,7 @@
           <a:p>
             <a:fld id="{FB30EDBD-1C2D-4C1E-B459-B60219FAB484}" type="datetimeFigureOut">
               <a:rPr lang="ko-KR" altLang="en-US" smtClean="0"/>
-              <a:t>2019-04-28</a:t>
+              <a:t>2019-04-29</a:t>
             </a:fld>
             <a:endParaRPr lang="ko-KR" altLang="en-US"/>
           </a:p>
@@ -1095,7 +1095,7 @@
           <a:p>
             <a:fld id="{FB30EDBD-1C2D-4C1E-B459-B60219FAB484}" type="datetimeFigureOut">
               <a:rPr lang="ko-KR" altLang="en-US" smtClean="0"/>
-              <a:t>2019-04-28</a:t>
+              <a:t>2019-04-29</a:t>
             </a:fld>
             <a:endParaRPr lang="ko-KR" altLang="en-US"/>
           </a:p>
@@ -1258,7 +1258,7 @@
           <a:p>
             <a:fld id="{FB30EDBD-1C2D-4C1E-B459-B60219FAB484}" type="datetimeFigureOut">
               <a:rPr lang="ko-KR" altLang="en-US" smtClean="0"/>
-              <a:t>2019-04-28</a:t>
+              <a:t>2019-04-29</a:t>
             </a:fld>
             <a:endParaRPr lang="ko-KR" altLang="en-US"/>
           </a:p>
@@ -1498,7 +1498,7 @@
           <a:p>
             <a:fld id="{FB30EDBD-1C2D-4C1E-B459-B60219FAB484}" type="datetimeFigureOut">
               <a:rPr lang="ko-KR" altLang="en-US" smtClean="0"/>
-              <a:t>2019-04-28</a:t>
+              <a:t>2019-04-29</a:t>
             </a:fld>
             <a:endParaRPr lang="ko-KR" altLang="en-US"/>
           </a:p>
@@ -1778,7 +1778,7 @@
           <a:p>
             <a:fld id="{FB30EDBD-1C2D-4C1E-B459-B60219FAB484}" type="datetimeFigureOut">
               <a:rPr lang="ko-KR" altLang="en-US" smtClean="0"/>
-              <a:t>2019-04-28</a:t>
+              <a:t>2019-04-29</a:t>
             </a:fld>
             <a:endParaRPr lang="ko-KR" altLang="en-US"/>
           </a:p>
@@ -2192,7 +2192,7 @@
           <a:p>
             <a:fld id="{FB30EDBD-1C2D-4C1E-B459-B60219FAB484}" type="datetimeFigureOut">
               <a:rPr lang="ko-KR" altLang="en-US" smtClean="0"/>
-              <a:t>2019-04-28</a:t>
+              <a:t>2019-04-29</a:t>
             </a:fld>
             <a:endParaRPr lang="ko-KR" altLang="en-US"/>
           </a:p>
@@ -2304,7 +2304,7 @@
           <a:p>
             <a:fld id="{FB30EDBD-1C2D-4C1E-B459-B60219FAB484}" type="datetimeFigureOut">
               <a:rPr lang="ko-KR" altLang="en-US" smtClean="0"/>
-              <a:t>2019-04-28</a:t>
+              <a:t>2019-04-29</a:t>
             </a:fld>
             <a:endParaRPr lang="ko-KR" altLang="en-US"/>
           </a:p>
@@ -2394,7 +2394,7 @@
           <a:p>
             <a:fld id="{FB30EDBD-1C2D-4C1E-B459-B60219FAB484}" type="datetimeFigureOut">
               <a:rPr lang="ko-KR" altLang="en-US" smtClean="0"/>
-              <a:t>2019-04-28</a:t>
+              <a:t>2019-04-29</a:t>
             </a:fld>
             <a:endParaRPr lang="ko-KR" altLang="en-US"/>
           </a:p>
@@ -2664,7 +2664,7 @@
           <a:p>
             <a:fld id="{FB30EDBD-1C2D-4C1E-B459-B60219FAB484}" type="datetimeFigureOut">
               <a:rPr lang="ko-KR" altLang="en-US" smtClean="0"/>
-              <a:t>2019-04-28</a:t>
+              <a:t>2019-04-29</a:t>
             </a:fld>
             <a:endParaRPr lang="ko-KR" altLang="en-US"/>
           </a:p>
@@ -2911,7 +2911,7 @@
           <a:p>
             <a:fld id="{FB30EDBD-1C2D-4C1E-B459-B60219FAB484}" type="datetimeFigureOut">
               <a:rPr lang="ko-KR" altLang="en-US" smtClean="0"/>
-              <a:t>2019-04-28</a:t>
+              <a:t>2019-04-29</a:t>
             </a:fld>
             <a:endParaRPr lang="ko-KR" altLang="en-US"/>
           </a:p>
@@ -3117,7 +3117,7 @@
           <a:p>
             <a:fld id="{FB30EDBD-1C2D-4C1E-B459-B60219FAB484}" type="datetimeFigureOut">
               <a:rPr lang="ko-KR" altLang="en-US" smtClean="0"/>
-              <a:t>2019-04-28</a:t>
+              <a:t>2019-04-29</a:t>
             </a:fld>
             <a:endParaRPr lang="ko-KR" altLang="en-US"/>
           </a:p>
@@ -5280,7 +5280,7 @@
         <p:spPr>
           <a:xfrm>
             <a:off x="4085823" y="4227934"/>
-            <a:ext cx="1494289" cy="276999"/>
+            <a:ext cx="2553533" cy="276999"/>
           </a:xfrm>
           <a:prstGeom prst="rect">
             <a:avLst/>
@@ -5296,7 +5296,7 @@
             <a:pPr algn="ctr"/>
             <a:r>
               <a:rPr lang="en-US" altLang="ko-KR" sz="1200"/>
-              <a:t>Consumer Ack</a:t>
+              <a:t>Consumer Acknowledgement</a:t>
             </a:r>
             <a:endParaRPr lang="ko-KR" altLang="en-US" sz="1200"/>
           </a:p>

--- a/images/theory_analysis/RabbitMQ_Ack/RabbitMQ_ACK.pptx
+++ b/images/theory_analysis/RabbitMQ_Ack/RabbitMQ_ACK.pptx
@@ -3511,7 +3511,7 @@
           <a:p>
             <a:r>
               <a:rPr lang="en-US" altLang="ko-KR"/>
-              <a:t>RabbitMQ Ack</a:t>
+              <a:t>RabbitMQ ACK</a:t>
             </a:r>
             <a:endParaRPr lang="ko-KR" altLang="en-US" dirty="0"/>
           </a:p>
@@ -4811,7 +4811,7 @@
                   <a:srgbClr val="C00000"/>
                 </a:solidFill>
               </a:rPr>
-              <a:t>4. Ack</a:t>
+              <a:t>4. ACK</a:t>
             </a:r>
             <a:endParaRPr lang="ko-KR" altLang="en-US" sz="1100">
               <a:solidFill>
@@ -4867,7 +4867,7 @@
                   <a:srgbClr val="C00000"/>
                 </a:solidFill>
               </a:rPr>
-              <a:t>Ack</a:t>
+              <a:t>ACK</a:t>
             </a:r>
             <a:endParaRPr lang="ko-KR" altLang="en-US" sz="1100">
               <a:solidFill>
@@ -4957,7 +4957,7 @@
                   <a:schemeClr val="tx2"/>
                 </a:solidFill>
               </a:rPr>
-              <a:t>2. Ack</a:t>
+              <a:t>2. ACK</a:t>
             </a:r>
           </a:p>
         </p:txBody>
